--- a/serralharia feliz apresentaion2.pptx
+++ b/serralharia feliz apresentaion2.pptx
@@ -214,7 +214,7 @@
           <a:p>
             <a:fld id="{AE8C57C5-1BE8-4D65-8D14-FE76AADD3882}" type="datetimeFigureOut">
               <a:rPr lang="pt-PT" smtClean="0"/>
-              <a:t>07/01/2023</a:t>
+              <a:t>08/01/2023</a:t>
             </a:fld>
             <a:endParaRPr lang="pt-PT"/>
           </a:p>
@@ -883,7 +883,7 @@
           <a:p>
             <a:fld id="{83D4B1F0-48A0-483D-A48C-14214F7F3022}" type="datetimeFigureOut">
               <a:rPr lang="pt-PT" smtClean="0"/>
-              <a:t>07/01/2023</a:t>
+              <a:t>08/01/2023</a:t>
             </a:fld>
             <a:endParaRPr lang="pt-PT"/>
           </a:p>
@@ -1083,7 +1083,7 @@
           <a:p>
             <a:fld id="{83D4B1F0-48A0-483D-A48C-14214F7F3022}" type="datetimeFigureOut">
               <a:rPr lang="pt-PT" smtClean="0"/>
-              <a:t>07/01/2023</a:t>
+              <a:t>08/01/2023</a:t>
             </a:fld>
             <a:endParaRPr lang="pt-PT"/>
           </a:p>
@@ -1293,7 +1293,7 @@
           <a:p>
             <a:fld id="{83D4B1F0-48A0-483D-A48C-14214F7F3022}" type="datetimeFigureOut">
               <a:rPr lang="pt-PT" smtClean="0"/>
-              <a:t>07/01/2023</a:t>
+              <a:t>08/01/2023</a:t>
             </a:fld>
             <a:endParaRPr lang="pt-PT"/>
           </a:p>
@@ -1493,7 +1493,7 @@
           <a:p>
             <a:fld id="{83D4B1F0-48A0-483D-A48C-14214F7F3022}" type="datetimeFigureOut">
               <a:rPr lang="pt-PT" smtClean="0"/>
-              <a:t>07/01/2023</a:t>
+              <a:t>08/01/2023</a:t>
             </a:fld>
             <a:endParaRPr lang="pt-PT"/>
           </a:p>
@@ -1769,7 +1769,7 @@
           <a:p>
             <a:fld id="{83D4B1F0-48A0-483D-A48C-14214F7F3022}" type="datetimeFigureOut">
               <a:rPr lang="pt-PT" smtClean="0"/>
-              <a:t>07/01/2023</a:t>
+              <a:t>08/01/2023</a:t>
             </a:fld>
             <a:endParaRPr lang="pt-PT"/>
           </a:p>
@@ -2037,7 +2037,7 @@
           <a:p>
             <a:fld id="{83D4B1F0-48A0-483D-A48C-14214F7F3022}" type="datetimeFigureOut">
               <a:rPr lang="pt-PT" smtClean="0"/>
-              <a:t>07/01/2023</a:t>
+              <a:t>08/01/2023</a:t>
             </a:fld>
             <a:endParaRPr lang="pt-PT"/>
           </a:p>
@@ -2452,7 +2452,7 @@
           <a:p>
             <a:fld id="{83D4B1F0-48A0-483D-A48C-14214F7F3022}" type="datetimeFigureOut">
               <a:rPr lang="pt-PT" smtClean="0"/>
-              <a:t>07/01/2023</a:t>
+              <a:t>08/01/2023</a:t>
             </a:fld>
             <a:endParaRPr lang="pt-PT"/>
           </a:p>
@@ -2594,7 +2594,7 @@
           <a:p>
             <a:fld id="{83D4B1F0-48A0-483D-A48C-14214F7F3022}" type="datetimeFigureOut">
               <a:rPr lang="pt-PT" smtClean="0"/>
-              <a:t>07/01/2023</a:t>
+              <a:t>08/01/2023</a:t>
             </a:fld>
             <a:endParaRPr lang="pt-PT"/>
           </a:p>
@@ -2707,7 +2707,7 @@
           <a:p>
             <a:fld id="{83D4B1F0-48A0-483D-A48C-14214F7F3022}" type="datetimeFigureOut">
               <a:rPr lang="pt-PT" smtClean="0"/>
-              <a:t>07/01/2023</a:t>
+              <a:t>08/01/2023</a:t>
             </a:fld>
             <a:endParaRPr lang="pt-PT"/>
           </a:p>
@@ -3020,7 +3020,7 @@
           <a:p>
             <a:fld id="{83D4B1F0-48A0-483D-A48C-14214F7F3022}" type="datetimeFigureOut">
               <a:rPr lang="pt-PT" smtClean="0"/>
-              <a:t>07/01/2023</a:t>
+              <a:t>08/01/2023</a:t>
             </a:fld>
             <a:endParaRPr lang="pt-PT"/>
           </a:p>
@@ -3309,7 +3309,7 @@
           <a:p>
             <a:fld id="{83D4B1F0-48A0-483D-A48C-14214F7F3022}" type="datetimeFigureOut">
               <a:rPr lang="pt-PT" smtClean="0"/>
-              <a:t>07/01/2023</a:t>
+              <a:t>08/01/2023</a:t>
             </a:fld>
             <a:endParaRPr lang="pt-PT"/>
           </a:p>
@@ -3552,7 +3552,7 @@
           <a:p>
             <a:fld id="{83D4B1F0-48A0-483D-A48C-14214F7F3022}" type="datetimeFigureOut">
               <a:rPr lang="pt-PT" smtClean="0"/>
-              <a:t>07/01/2023</a:t>
+              <a:t>08/01/2023</a:t>
             </a:fld>
             <a:endParaRPr lang="pt-PT"/>
           </a:p>
@@ -7924,7 +7924,7 @@
         </p:blipFill>
         <p:spPr>
           <a:xfrm>
-            <a:off x="7120795" y="3099794"/>
+            <a:off x="7120795" y="3102951"/>
             <a:ext cx="1420234" cy="852140"/>
           </a:xfrm>
           <a:prstGeom prst="rect">
